--- a/28_AI_Project_Canvas_including_FAIR_v2.pptx
+++ b/28_AI_Project_Canvas_including_FAIR_v2.pptx
@@ -34,7 +34,7 @@
       </p:grpSpPr>
       <p:sp>
         <p:nvSpPr>
-          <p:cNvPr id="37" name="PlaceHolder 1"/>
+          <p:cNvPr id="38" name="PlaceHolder 1"/>
           <p:cNvSpPr>
             <a:spLocks noGrp="1"/>
           </p:cNvSpPr>
@@ -76,7 +76,7 @@
       </p:sp>
       <p:sp>
         <p:nvSpPr>
-          <p:cNvPr id="38" name="PlaceHolder 2"/>
+          <p:cNvPr id="39" name="PlaceHolder 2"/>
           <p:cNvSpPr>
             <a:spLocks noGrp="1"/>
           </p:cNvSpPr>
@@ -112,7 +112,7 @@
       </p:sp>
       <p:sp>
         <p:nvSpPr>
-          <p:cNvPr id="39" name="PlaceHolder 3"/>
+          <p:cNvPr id="40" name="PlaceHolder 3"/>
           <p:cNvSpPr>
             <a:spLocks noGrp="1"/>
           </p:cNvSpPr>
@@ -148,7 +148,7 @@
       </p:sp>
       <p:sp>
         <p:nvSpPr>
-          <p:cNvPr id="40" name="PlaceHolder 4"/>
+          <p:cNvPr id="41" name="PlaceHolder 4"/>
           <p:cNvSpPr>
             <a:spLocks noGrp="1"/>
           </p:cNvSpPr>
@@ -185,7 +185,7 @@
       </p:sp>
       <p:sp>
         <p:nvSpPr>
-          <p:cNvPr id="41" name="PlaceHolder 5"/>
+          <p:cNvPr id="42" name="PlaceHolder 5"/>
           <p:cNvSpPr>
             <a:spLocks noGrp="1"/>
           </p:cNvSpPr>
@@ -221,7 +221,7 @@
       </p:sp>
       <p:sp>
         <p:nvSpPr>
-          <p:cNvPr id="42" name="PlaceHolder 6"/>
+          <p:cNvPr id="43" name="PlaceHolder 6"/>
           <p:cNvSpPr>
             <a:spLocks noGrp="1"/>
           </p:cNvSpPr>
@@ -244,7 +244,7 @@
           </a:bodyPr>
           <a:p>
             <a:pPr algn="r"/>
-            <a:fld id="{1E2EF027-0C7A-4A57-9CFD-4E9580CCCDEF}" type="slidenum">
+            <a:fld id="{4978B87B-156B-4D1B-9626-AFF835EDDF7C}" type="slidenum">
               <a:rPr b="0" lang="en-US" sz="1400" spc="-1" strike="noStrike">
                 <a:latin typeface="Times New Roman"/>
               </a:rPr>
@@ -281,7 +281,7 @@
       </p:grpSpPr>
       <p:sp>
         <p:nvSpPr>
-          <p:cNvPr id="58" name="PlaceHolder 1"/>
+          <p:cNvPr id="59" name="PlaceHolder 1"/>
           <p:cNvSpPr>
             <a:spLocks noGrp="1"/>
           </p:cNvSpPr>
@@ -301,7 +301,7 @@
       </p:sp>
       <p:sp>
         <p:nvSpPr>
-          <p:cNvPr id="59" name="PlaceHolder 2"/>
+          <p:cNvPr id="60" name="PlaceHolder 2"/>
           <p:cNvSpPr>
             <a:spLocks noGrp="1"/>
           </p:cNvSpPr>
@@ -331,7 +331,7 @@
       </p:sp>
       <p:sp>
         <p:nvSpPr>
-          <p:cNvPr id="60" name="CustomShape 3"/>
+          <p:cNvPr id="61" name="CustomShape 3"/>
           <p:cNvSpPr/>
           <p:nvPr/>
         </p:nvSpPr>
@@ -364,7 +364,7 @@
                 <a:spcPct val="100000"/>
               </a:lnSpc>
             </a:pPr>
-            <a:fld id="{01664588-67EF-49B4-B593-66D987A5B5B7}" type="slidenum">
+            <a:fld id="{186DA194-0903-437A-BFA8-054387BCD855}" type="slidenum">
               <a:rPr b="0" lang="nl-NL" sz="1200" spc="-1" strike="noStrike">
                 <a:solidFill>
                   <a:srgbClr val="000000"/>
@@ -426,7 +426,7 @@
       </p:grpSpPr>
       <p:sp>
         <p:nvSpPr>
-          <p:cNvPr id="22" name="PlaceHolder 1"/>
+          <p:cNvPr id="23" name="PlaceHolder 1"/>
           <p:cNvSpPr>
             <a:spLocks noGrp="1"/>
           </p:cNvSpPr>
@@ -459,7 +459,7 @@
       </p:sp>
       <p:sp>
         <p:nvSpPr>
-          <p:cNvPr id="23" name="PlaceHolder 2"/>
+          <p:cNvPr id="24" name="PlaceHolder 2"/>
           <p:cNvSpPr>
             <a:spLocks noGrp="1"/>
           </p:cNvSpPr>
@@ -492,7 +492,7 @@
       </p:sp>
       <p:sp>
         <p:nvSpPr>
-          <p:cNvPr id="24" name="PlaceHolder 3"/>
+          <p:cNvPr id="25" name="PlaceHolder 3"/>
           <p:cNvSpPr>
             <a:spLocks noGrp="1"/>
           </p:cNvSpPr>
@@ -547,7 +547,7 @@
       </p:grpSpPr>
       <p:sp>
         <p:nvSpPr>
-          <p:cNvPr id="25" name="PlaceHolder 1"/>
+          <p:cNvPr id="26" name="PlaceHolder 1"/>
           <p:cNvSpPr>
             <a:spLocks noGrp="1"/>
           </p:cNvSpPr>
@@ -580,7 +580,7 @@
       </p:sp>
       <p:sp>
         <p:nvSpPr>
-          <p:cNvPr id="26" name="PlaceHolder 2"/>
+          <p:cNvPr id="27" name="PlaceHolder 2"/>
           <p:cNvSpPr>
             <a:spLocks noGrp="1"/>
           </p:cNvSpPr>
@@ -613,7 +613,7 @@
       </p:sp>
       <p:sp>
         <p:nvSpPr>
-          <p:cNvPr id="27" name="PlaceHolder 3"/>
+          <p:cNvPr id="28" name="PlaceHolder 3"/>
           <p:cNvSpPr>
             <a:spLocks noGrp="1"/>
           </p:cNvSpPr>
@@ -646,7 +646,7 @@
       </p:sp>
       <p:sp>
         <p:nvSpPr>
-          <p:cNvPr id="28" name="PlaceHolder 4"/>
+          <p:cNvPr id="29" name="PlaceHolder 4"/>
           <p:cNvSpPr>
             <a:spLocks noGrp="1"/>
           </p:cNvSpPr>
@@ -679,7 +679,7 @@
       </p:sp>
       <p:sp>
         <p:nvSpPr>
-          <p:cNvPr id="29" name="PlaceHolder 5"/>
+          <p:cNvPr id="30" name="PlaceHolder 5"/>
           <p:cNvSpPr>
             <a:spLocks noGrp="1"/>
           </p:cNvSpPr>
@@ -734,7 +734,7 @@
       </p:grpSpPr>
       <p:sp>
         <p:nvSpPr>
-          <p:cNvPr id="30" name="PlaceHolder 1"/>
+          <p:cNvPr id="31" name="PlaceHolder 1"/>
           <p:cNvSpPr>
             <a:spLocks noGrp="1"/>
           </p:cNvSpPr>
@@ -767,7 +767,7 @@
       </p:sp>
       <p:sp>
         <p:nvSpPr>
-          <p:cNvPr id="31" name="PlaceHolder 2"/>
+          <p:cNvPr id="32" name="PlaceHolder 2"/>
           <p:cNvSpPr>
             <a:spLocks noGrp="1"/>
           </p:cNvSpPr>
@@ -800,7 +800,7 @@
       </p:sp>
       <p:sp>
         <p:nvSpPr>
-          <p:cNvPr id="32" name="PlaceHolder 3"/>
+          <p:cNvPr id="33" name="PlaceHolder 3"/>
           <p:cNvSpPr>
             <a:spLocks noGrp="1"/>
           </p:cNvSpPr>
@@ -833,7 +833,7 @@
       </p:sp>
       <p:sp>
         <p:nvSpPr>
-          <p:cNvPr id="33" name="PlaceHolder 4"/>
+          <p:cNvPr id="34" name="PlaceHolder 4"/>
           <p:cNvSpPr>
             <a:spLocks noGrp="1"/>
           </p:cNvSpPr>
@@ -866,7 +866,7 @@
       </p:sp>
       <p:sp>
         <p:nvSpPr>
-          <p:cNvPr id="34" name="PlaceHolder 5"/>
+          <p:cNvPr id="35" name="PlaceHolder 5"/>
           <p:cNvSpPr>
             <a:spLocks noGrp="1"/>
           </p:cNvSpPr>
@@ -899,7 +899,7 @@
       </p:sp>
       <p:sp>
         <p:nvSpPr>
-          <p:cNvPr id="35" name="PlaceHolder 6"/>
+          <p:cNvPr id="36" name="PlaceHolder 6"/>
           <p:cNvSpPr>
             <a:spLocks noGrp="1"/>
           </p:cNvSpPr>
@@ -932,7 +932,7 @@
       </p:sp>
       <p:sp>
         <p:nvSpPr>
-          <p:cNvPr id="36" name="PlaceHolder 7"/>
+          <p:cNvPr id="37" name="PlaceHolder 7"/>
           <p:cNvSpPr>
             <a:spLocks noGrp="1"/>
           </p:cNvSpPr>
@@ -987,7 +987,7 @@
       </p:grpSpPr>
       <p:sp>
         <p:nvSpPr>
-          <p:cNvPr id="1" name="PlaceHolder 1"/>
+          <p:cNvPr id="2" name="PlaceHolder 1"/>
           <p:cNvSpPr>
             <a:spLocks noGrp="1"/>
           </p:cNvSpPr>
@@ -1020,7 +1020,7 @@
       </p:sp>
       <p:sp>
         <p:nvSpPr>
-          <p:cNvPr id="2" name="PlaceHolder 2"/>
+          <p:cNvPr id="3" name="PlaceHolder 2"/>
           <p:cNvSpPr>
             <a:spLocks noGrp="1"/>
           </p:cNvSpPr>
@@ -1073,7 +1073,7 @@
       </p:grpSpPr>
       <p:sp>
         <p:nvSpPr>
-          <p:cNvPr id="3" name="PlaceHolder 1"/>
+          <p:cNvPr id="4" name="PlaceHolder 1"/>
           <p:cNvSpPr>
             <a:spLocks noGrp="1"/>
           </p:cNvSpPr>
@@ -1106,7 +1106,7 @@
       </p:sp>
       <p:sp>
         <p:nvSpPr>
-          <p:cNvPr id="4" name="PlaceHolder 2"/>
+          <p:cNvPr id="5" name="PlaceHolder 2"/>
           <p:cNvSpPr>
             <a:spLocks noGrp="1"/>
           </p:cNvSpPr>
@@ -1161,7 +1161,7 @@
       </p:grpSpPr>
       <p:sp>
         <p:nvSpPr>
-          <p:cNvPr id="5" name="PlaceHolder 1"/>
+          <p:cNvPr id="6" name="PlaceHolder 1"/>
           <p:cNvSpPr>
             <a:spLocks noGrp="1"/>
           </p:cNvSpPr>
@@ -1194,7 +1194,7 @@
       </p:sp>
       <p:sp>
         <p:nvSpPr>
-          <p:cNvPr id="6" name="PlaceHolder 2"/>
+          <p:cNvPr id="7" name="PlaceHolder 2"/>
           <p:cNvSpPr>
             <a:spLocks noGrp="1"/>
           </p:cNvSpPr>
@@ -1227,7 +1227,7 @@
       </p:sp>
       <p:sp>
         <p:nvSpPr>
-          <p:cNvPr id="7" name="PlaceHolder 3"/>
+          <p:cNvPr id="8" name="PlaceHolder 3"/>
           <p:cNvSpPr>
             <a:spLocks noGrp="1"/>
           </p:cNvSpPr>
@@ -1282,7 +1282,7 @@
       </p:grpSpPr>
       <p:sp>
         <p:nvSpPr>
-          <p:cNvPr id="8" name="PlaceHolder 1"/>
+          <p:cNvPr id="9" name="PlaceHolder 1"/>
           <p:cNvSpPr>
             <a:spLocks noGrp="1"/>
           </p:cNvSpPr>
@@ -1337,7 +1337,7 @@
       </p:grpSpPr>
       <p:sp>
         <p:nvSpPr>
-          <p:cNvPr id="9" name="PlaceHolder 1"/>
+          <p:cNvPr id="10" name="PlaceHolder 1"/>
           <p:cNvSpPr>
             <a:spLocks noGrp="1"/>
           </p:cNvSpPr>
@@ -1390,7 +1390,7 @@
       </p:grpSpPr>
       <p:sp>
         <p:nvSpPr>
-          <p:cNvPr id="10" name="PlaceHolder 1"/>
+          <p:cNvPr id="11" name="PlaceHolder 1"/>
           <p:cNvSpPr>
             <a:spLocks noGrp="1"/>
           </p:cNvSpPr>
@@ -1423,7 +1423,7 @@
       </p:sp>
       <p:sp>
         <p:nvSpPr>
-          <p:cNvPr id="11" name="PlaceHolder 2"/>
+          <p:cNvPr id="12" name="PlaceHolder 2"/>
           <p:cNvSpPr>
             <a:spLocks noGrp="1"/>
           </p:cNvSpPr>
@@ -1456,7 +1456,7 @@
       </p:sp>
       <p:sp>
         <p:nvSpPr>
-          <p:cNvPr id="12" name="PlaceHolder 3"/>
+          <p:cNvPr id="13" name="PlaceHolder 3"/>
           <p:cNvSpPr>
             <a:spLocks noGrp="1"/>
           </p:cNvSpPr>
@@ -1489,7 +1489,7 @@
       </p:sp>
       <p:sp>
         <p:nvSpPr>
-          <p:cNvPr id="13" name="PlaceHolder 4"/>
+          <p:cNvPr id="14" name="PlaceHolder 4"/>
           <p:cNvSpPr>
             <a:spLocks noGrp="1"/>
           </p:cNvSpPr>
@@ -1544,7 +1544,7 @@
       </p:grpSpPr>
       <p:sp>
         <p:nvSpPr>
-          <p:cNvPr id="14" name="PlaceHolder 1"/>
+          <p:cNvPr id="15" name="PlaceHolder 1"/>
           <p:cNvSpPr>
             <a:spLocks noGrp="1"/>
           </p:cNvSpPr>
@@ -1577,7 +1577,7 @@
       </p:sp>
       <p:sp>
         <p:nvSpPr>
-          <p:cNvPr id="15" name="PlaceHolder 2"/>
+          <p:cNvPr id="16" name="PlaceHolder 2"/>
           <p:cNvSpPr>
             <a:spLocks noGrp="1"/>
           </p:cNvSpPr>
@@ -1610,7 +1610,7 @@
       </p:sp>
       <p:sp>
         <p:nvSpPr>
-          <p:cNvPr id="16" name="PlaceHolder 3"/>
+          <p:cNvPr id="17" name="PlaceHolder 3"/>
           <p:cNvSpPr>
             <a:spLocks noGrp="1"/>
           </p:cNvSpPr>
@@ -1643,7 +1643,7 @@
       </p:sp>
       <p:sp>
         <p:nvSpPr>
-          <p:cNvPr id="17" name="PlaceHolder 4"/>
+          <p:cNvPr id="18" name="PlaceHolder 4"/>
           <p:cNvSpPr>
             <a:spLocks noGrp="1"/>
           </p:cNvSpPr>
@@ -1698,7 +1698,7 @@
       </p:grpSpPr>
       <p:sp>
         <p:nvSpPr>
-          <p:cNvPr id="18" name="PlaceHolder 1"/>
+          <p:cNvPr id="19" name="PlaceHolder 1"/>
           <p:cNvSpPr>
             <a:spLocks noGrp="1"/>
           </p:cNvSpPr>
@@ -1731,7 +1731,7 @@
       </p:sp>
       <p:sp>
         <p:nvSpPr>
-          <p:cNvPr id="19" name="PlaceHolder 2"/>
+          <p:cNvPr id="20" name="PlaceHolder 2"/>
           <p:cNvSpPr>
             <a:spLocks noGrp="1"/>
           </p:cNvSpPr>
@@ -1764,7 +1764,7 @@
       </p:sp>
       <p:sp>
         <p:nvSpPr>
-          <p:cNvPr id="20" name="PlaceHolder 3"/>
+          <p:cNvPr id="21" name="PlaceHolder 3"/>
           <p:cNvSpPr>
             <a:spLocks noGrp="1"/>
           </p:cNvSpPr>
@@ -1797,7 +1797,7 @@
       </p:sp>
       <p:sp>
         <p:nvSpPr>
-          <p:cNvPr id="21" name="PlaceHolder 4"/>
+          <p:cNvPr id="22" name="PlaceHolder 4"/>
           <p:cNvSpPr>
             <a:spLocks noGrp="1"/>
           </p:cNvSpPr>
@@ -1892,6 +1892,227 @@
               <a:t>Click to edit the title text format</a:t>
             </a:r>
             <a:endParaRPr b="0" lang="en-US" sz="4400" spc="-1" strike="noStrike">
+              <a:solidFill>
+                <a:srgbClr val="000000"/>
+              </a:solidFill>
+              <a:latin typeface="Arial"/>
+            </a:endParaRPr>
+          </a:p>
+        </p:txBody>
+      </p:sp>
+      <p:sp>
+        <p:nvSpPr>
+          <p:cNvPr id="1" name="PlaceHolder 2"/>
+          <p:cNvSpPr>
+            <a:spLocks noGrp="1"/>
+          </p:cNvSpPr>
+          <p:nvPr>
+            <p:ph type="body"/>
+          </p:nvPr>
+        </p:nvSpPr>
+        <p:spPr>
+          <a:xfrm>
+            <a:off x="457200" y="1203480"/>
+            <a:ext cx="8229240" cy="2982960"/>
+          </a:xfrm>
+          <a:prstGeom prst="rect">
+            <a:avLst/>
+          </a:prstGeom>
+        </p:spPr>
+        <p:txBody>
+          <a:bodyPr lIns="0" rIns="0" tIns="0" bIns="0">
+            <a:normAutofit/>
+          </a:bodyPr>
+          <a:p>
+            <a:pPr marL="432000" indent="-324000">
+              <a:spcBef>
+                <a:spcPts val="1417"/>
+              </a:spcBef>
+              <a:buClr>
+                <a:srgbClr val="000000"/>
+              </a:buClr>
+              <a:buSzPct val="45000"/>
+              <a:buFont typeface="Wingdings" charset="2"/>
+              <a:buChar char=""/>
+            </a:pPr>
+            <a:r>
+              <a:rPr b="0" lang="en-US" sz="2800" spc="-1" strike="noStrike">
+                <a:solidFill>
+                  <a:srgbClr val="000000"/>
+                </a:solidFill>
+                <a:latin typeface="Arial"/>
+              </a:rPr>
+              <a:t>Click to edit the outline text format</a:t>
+            </a:r>
+            <a:endParaRPr b="0" lang="en-US" sz="2800" spc="-1" strike="noStrike">
+              <a:solidFill>
+                <a:srgbClr val="000000"/>
+              </a:solidFill>
+              <a:latin typeface="Arial"/>
+            </a:endParaRPr>
+          </a:p>
+          <a:p>
+            <a:pPr lvl="1" marL="864000" indent="-324000">
+              <a:spcBef>
+                <a:spcPts val="1134"/>
+              </a:spcBef>
+              <a:buClr>
+                <a:srgbClr val="000000"/>
+              </a:buClr>
+              <a:buSzPct val="75000"/>
+              <a:buFont typeface="Symbol" charset="2"/>
+              <a:buChar char=""/>
+            </a:pPr>
+            <a:r>
+              <a:rPr b="0" lang="en-US" sz="2000" spc="-1" strike="noStrike">
+                <a:solidFill>
+                  <a:srgbClr val="000000"/>
+                </a:solidFill>
+                <a:latin typeface="Arial"/>
+              </a:rPr>
+              <a:t>Second Outline Level</a:t>
+            </a:r>
+            <a:endParaRPr b="0" lang="en-US" sz="2000" spc="-1" strike="noStrike">
+              <a:solidFill>
+                <a:srgbClr val="000000"/>
+              </a:solidFill>
+              <a:latin typeface="Arial"/>
+            </a:endParaRPr>
+          </a:p>
+          <a:p>
+            <a:pPr lvl="2" marL="1296000" indent="-288000">
+              <a:spcBef>
+                <a:spcPts val="850"/>
+              </a:spcBef>
+              <a:buClr>
+                <a:srgbClr val="000000"/>
+              </a:buClr>
+              <a:buSzPct val="45000"/>
+              <a:buFont typeface="Wingdings" charset="2"/>
+              <a:buChar char=""/>
+            </a:pPr>
+            <a:r>
+              <a:rPr b="0" lang="en-US" sz="1800" spc="-1" strike="noStrike">
+                <a:solidFill>
+                  <a:srgbClr val="000000"/>
+                </a:solidFill>
+                <a:latin typeface="Arial"/>
+              </a:rPr>
+              <a:t>Third Outline Level</a:t>
+            </a:r>
+            <a:endParaRPr b="0" lang="en-US" sz="1800" spc="-1" strike="noStrike">
+              <a:solidFill>
+                <a:srgbClr val="000000"/>
+              </a:solidFill>
+              <a:latin typeface="Arial"/>
+            </a:endParaRPr>
+          </a:p>
+          <a:p>
+            <a:pPr lvl="3" marL="1728000" indent="-216000">
+              <a:spcBef>
+                <a:spcPts val="567"/>
+              </a:spcBef>
+              <a:buClr>
+                <a:srgbClr val="000000"/>
+              </a:buClr>
+              <a:buSzPct val="75000"/>
+              <a:buFont typeface="Symbol" charset="2"/>
+              <a:buChar char=""/>
+            </a:pPr>
+            <a:r>
+              <a:rPr b="0" lang="en-US" sz="1800" spc="-1" strike="noStrike">
+                <a:solidFill>
+                  <a:srgbClr val="000000"/>
+                </a:solidFill>
+                <a:latin typeface="Arial"/>
+              </a:rPr>
+              <a:t>Fourth Outline Level</a:t>
+            </a:r>
+            <a:endParaRPr b="0" lang="en-US" sz="1800" spc="-1" strike="noStrike">
+              <a:solidFill>
+                <a:srgbClr val="000000"/>
+              </a:solidFill>
+              <a:latin typeface="Arial"/>
+            </a:endParaRPr>
+          </a:p>
+          <a:p>
+            <a:pPr lvl="4" marL="2160000" indent="-216000">
+              <a:spcBef>
+                <a:spcPts val="283"/>
+              </a:spcBef>
+              <a:buClr>
+                <a:srgbClr val="000000"/>
+              </a:buClr>
+              <a:buSzPct val="45000"/>
+              <a:buFont typeface="Wingdings" charset="2"/>
+              <a:buChar char=""/>
+            </a:pPr>
+            <a:r>
+              <a:rPr b="0" lang="en-US" sz="2000" spc="-1" strike="noStrike">
+                <a:solidFill>
+                  <a:srgbClr val="000000"/>
+                </a:solidFill>
+                <a:latin typeface="Arial"/>
+              </a:rPr>
+              <a:t>Fifth Outline Level</a:t>
+            </a:r>
+            <a:endParaRPr b="0" lang="en-US" sz="2000" spc="-1" strike="noStrike">
+              <a:solidFill>
+                <a:srgbClr val="000000"/>
+              </a:solidFill>
+              <a:latin typeface="Arial"/>
+            </a:endParaRPr>
+          </a:p>
+          <a:p>
+            <a:pPr lvl="5" marL="2592000" indent="-216000">
+              <a:spcBef>
+                <a:spcPts val="283"/>
+              </a:spcBef>
+              <a:buClr>
+                <a:srgbClr val="000000"/>
+              </a:buClr>
+              <a:buSzPct val="45000"/>
+              <a:buFont typeface="Wingdings" charset="2"/>
+              <a:buChar char=""/>
+            </a:pPr>
+            <a:r>
+              <a:rPr b="0" lang="en-US" sz="2000" spc="-1" strike="noStrike">
+                <a:solidFill>
+                  <a:srgbClr val="000000"/>
+                </a:solidFill>
+                <a:latin typeface="Arial"/>
+              </a:rPr>
+              <a:t>Sixth Outline Level</a:t>
+            </a:r>
+            <a:endParaRPr b="0" lang="en-US" sz="2000" spc="-1" strike="noStrike">
+              <a:solidFill>
+                <a:srgbClr val="000000"/>
+              </a:solidFill>
+              <a:latin typeface="Arial"/>
+            </a:endParaRPr>
+          </a:p>
+          <a:p>
+            <a:pPr lvl="6" marL="3024000" indent="-216000">
+              <a:spcBef>
+                <a:spcPts val="283"/>
+              </a:spcBef>
+              <a:buClr>
+                <a:srgbClr val="000000"/>
+              </a:buClr>
+              <a:buSzPct val="45000"/>
+              <a:buFont typeface="Wingdings" charset="2"/>
+              <a:buChar char=""/>
+            </a:pPr>
+            <a:r>
+              <a:rPr b="0" lang="en-US" sz="2000" spc="-1" strike="noStrike">
+                <a:solidFill>
+                  <a:srgbClr val="000000"/>
+                </a:solidFill>
+                <a:latin typeface="Arial"/>
+              </a:rPr>
+              <a:t>Seventh Outline Level</a:t>
+            </a:r>
+            <a:endParaRPr b="0" lang="en-US" sz="2000" spc="-1" strike="noStrike">
               <a:solidFill>
                 <a:srgbClr val="000000"/>
               </a:solidFill>
@@ -1939,7 +2160,7 @@
       </p:grpSpPr>
       <p:pic>
         <p:nvPicPr>
-          <p:cNvPr id="43" name="Afbeelding 29" descr=""/>
+          <p:cNvPr id="44" name="Afbeelding 29" descr=""/>
           <p:cNvPicPr/>
           <p:nvPr/>
         </p:nvPicPr>
@@ -1962,7 +2183,7 @@
       </p:pic>
       <p:sp>
         <p:nvSpPr>
-          <p:cNvPr id="44" name="CustomShape 1"/>
+          <p:cNvPr id="45" name="CustomShape 1"/>
           <p:cNvSpPr/>
           <p:nvPr/>
         </p:nvSpPr>
@@ -2015,7 +2236,7 @@
       </p:sp>
       <p:sp>
         <p:nvSpPr>
-          <p:cNvPr id="45" name="CustomShape 2"/>
+          <p:cNvPr id="46" name="CustomShape 2"/>
           <p:cNvSpPr/>
           <p:nvPr/>
         </p:nvSpPr>
@@ -2066,7 +2287,7 @@
       </p:sp>
       <p:sp>
         <p:nvSpPr>
-          <p:cNvPr id="46" name="CustomShape 3"/>
+          <p:cNvPr id="47" name="CustomShape 3"/>
           <p:cNvSpPr/>
           <p:nvPr/>
         </p:nvSpPr>
@@ -2092,7 +2313,7 @@
       </p:sp>
       <p:sp>
         <p:nvSpPr>
-          <p:cNvPr id="47" name="CustomShape 4"/>
+          <p:cNvPr id="48" name="CustomShape 4"/>
           <p:cNvSpPr/>
           <p:nvPr/>
         </p:nvSpPr>
@@ -2263,7 +2484,7 @@
       </p:sp>
       <p:sp>
         <p:nvSpPr>
-          <p:cNvPr id="48" name="CustomShape 5"/>
+          <p:cNvPr id="49" name="CustomShape 5"/>
           <p:cNvSpPr/>
           <p:nvPr/>
         </p:nvSpPr>
@@ -2434,7 +2655,7 @@
       </p:sp>
       <p:sp>
         <p:nvSpPr>
-          <p:cNvPr id="49" name="CustomShape 6"/>
+          <p:cNvPr id="50" name="CustomShape 6"/>
           <p:cNvSpPr/>
           <p:nvPr/>
         </p:nvSpPr>
@@ -2535,7 +2756,7 @@
       </p:sp>
       <p:sp>
         <p:nvSpPr>
-          <p:cNvPr id="50" name="CustomShape 7"/>
+          <p:cNvPr id="51" name="CustomShape 7"/>
           <p:cNvSpPr/>
           <p:nvPr/>
         </p:nvSpPr>
@@ -2656,7 +2877,7 @@
       </p:sp>
       <p:sp>
         <p:nvSpPr>
-          <p:cNvPr id="51" name="CustomShape 8"/>
+          <p:cNvPr id="52" name="CustomShape 8"/>
           <p:cNvSpPr/>
           <p:nvPr/>
         </p:nvSpPr>
@@ -2757,7 +2978,7 @@
       </p:sp>
       <p:sp>
         <p:nvSpPr>
-          <p:cNvPr id="52" name="CustomShape 9"/>
+          <p:cNvPr id="53" name="CustomShape 9"/>
           <p:cNvSpPr/>
           <p:nvPr/>
         </p:nvSpPr>
@@ -2858,7 +3079,7 @@
       </p:sp>
       <p:sp>
         <p:nvSpPr>
-          <p:cNvPr id="53" name="CustomShape 10"/>
+          <p:cNvPr id="54" name="CustomShape 10"/>
           <p:cNvSpPr/>
           <p:nvPr/>
         </p:nvSpPr>
@@ -2959,7 +3180,7 @@
       </p:sp>
       <p:sp>
         <p:nvSpPr>
-          <p:cNvPr id="54" name="CustomShape 11"/>
+          <p:cNvPr id="55" name="CustomShape 11"/>
           <p:cNvSpPr/>
           <p:nvPr/>
         </p:nvSpPr>
@@ -3100,7 +3321,7 @@
       </p:sp>
       <p:sp>
         <p:nvSpPr>
-          <p:cNvPr id="55" name="CustomShape 12"/>
+          <p:cNvPr id="56" name="CustomShape 12"/>
           <p:cNvSpPr/>
           <p:nvPr/>
         </p:nvSpPr>
@@ -3221,7 +3442,7 @@
       </p:sp>
       <p:sp>
         <p:nvSpPr>
-          <p:cNvPr id="56" name="CustomShape 13"/>
+          <p:cNvPr id="57" name="CustomShape 13"/>
           <p:cNvSpPr/>
           <p:nvPr/>
         </p:nvSpPr>
@@ -3260,7 +3481,7 @@
       </p:sp>
       <p:sp>
         <p:nvSpPr>
-          <p:cNvPr id="57" name="CustomShape 14"/>
+          <p:cNvPr id="58" name="CustomShape 14"/>
           <p:cNvSpPr/>
           <p:nvPr/>
         </p:nvSpPr>
